--- a/문서/프레젠테이션1.pptx
+++ b/문서/프레젠테이션1.pptx
@@ -7,7 +7,9 @@
   <p:sldIdLst>
     <p:sldId id="256" r:id="rId2"/>
     <p:sldId id="257" r:id="rId3"/>
-    <p:sldId id="258" r:id="rId4"/>
+    <p:sldId id="260" r:id="rId4"/>
+    <p:sldId id="258" r:id="rId5"/>
+    <p:sldId id="259" r:id="rId6"/>
   </p:sldIdLst>
   <p:sldSz cx="12192000" cy="6858000"/>
   <p:notesSz cx="6858000" cy="9144000"/>
@@ -106,6 +108,11 @@
       </a:defRPr>
     </a:lvl9pPr>
   </p:defaultTextStyle>
+  <p:extLst>
+    <p:ext uri="{EFAFB233-063F-42B5-8137-9DF3F51BA10A}">
+      <p15:sldGuideLst xmlns:p15="http://schemas.microsoft.com/office/powerpoint/2012/main"/>
+    </p:ext>
+  </p:extLst>
 </p:presentation>
 </file>
 
@@ -240,7 +247,7 @@
           <a:p>
             <a:fld id="{4203A113-A71E-4BD3-850A-BB19F685E24D}" type="datetimeFigureOut">
               <a:rPr lang="ko-KR" altLang="en-US" smtClean="0"/>
-              <a:t>2016-02-11</a:t>
+              <a:t>2016-02-26</a:t>
             </a:fld>
             <a:endParaRPr lang="ko-KR" altLang="en-US"/>
           </a:p>
@@ -410,7 +417,7 @@
           <a:p>
             <a:fld id="{4203A113-A71E-4BD3-850A-BB19F685E24D}" type="datetimeFigureOut">
               <a:rPr lang="ko-KR" altLang="en-US" smtClean="0"/>
-              <a:t>2016-02-11</a:t>
+              <a:t>2016-02-26</a:t>
             </a:fld>
             <a:endParaRPr lang="ko-KR" altLang="en-US"/>
           </a:p>
@@ -590,7 +597,7 @@
           <a:p>
             <a:fld id="{4203A113-A71E-4BD3-850A-BB19F685E24D}" type="datetimeFigureOut">
               <a:rPr lang="ko-KR" altLang="en-US" smtClean="0"/>
-              <a:t>2016-02-11</a:t>
+              <a:t>2016-02-26</a:t>
             </a:fld>
             <a:endParaRPr lang="ko-KR" altLang="en-US"/>
           </a:p>
@@ -760,7 +767,7 @@
           <a:p>
             <a:fld id="{4203A113-A71E-4BD3-850A-BB19F685E24D}" type="datetimeFigureOut">
               <a:rPr lang="ko-KR" altLang="en-US" smtClean="0"/>
-              <a:t>2016-02-11</a:t>
+              <a:t>2016-02-26</a:t>
             </a:fld>
             <a:endParaRPr lang="ko-KR" altLang="en-US"/>
           </a:p>
@@ -1006,7 +1013,7 @@
           <a:p>
             <a:fld id="{4203A113-A71E-4BD3-850A-BB19F685E24D}" type="datetimeFigureOut">
               <a:rPr lang="ko-KR" altLang="en-US" smtClean="0"/>
-              <a:t>2016-02-11</a:t>
+              <a:t>2016-02-26</a:t>
             </a:fld>
             <a:endParaRPr lang="ko-KR" altLang="en-US"/>
           </a:p>
@@ -1238,7 +1245,7 @@
           <a:p>
             <a:fld id="{4203A113-A71E-4BD3-850A-BB19F685E24D}" type="datetimeFigureOut">
               <a:rPr lang="ko-KR" altLang="en-US" smtClean="0"/>
-              <a:t>2016-02-11</a:t>
+              <a:t>2016-02-26</a:t>
             </a:fld>
             <a:endParaRPr lang="ko-KR" altLang="en-US"/>
           </a:p>
@@ -1605,7 +1612,7 @@
           <a:p>
             <a:fld id="{4203A113-A71E-4BD3-850A-BB19F685E24D}" type="datetimeFigureOut">
               <a:rPr lang="ko-KR" altLang="en-US" smtClean="0"/>
-              <a:t>2016-02-11</a:t>
+              <a:t>2016-02-26</a:t>
             </a:fld>
             <a:endParaRPr lang="ko-KR" altLang="en-US"/>
           </a:p>
@@ -1723,7 +1730,7 @@
           <a:p>
             <a:fld id="{4203A113-A71E-4BD3-850A-BB19F685E24D}" type="datetimeFigureOut">
               <a:rPr lang="ko-KR" altLang="en-US" smtClean="0"/>
-              <a:t>2016-02-11</a:t>
+              <a:t>2016-02-26</a:t>
             </a:fld>
             <a:endParaRPr lang="ko-KR" altLang="en-US"/>
           </a:p>
@@ -1818,7 +1825,7 @@
           <a:p>
             <a:fld id="{4203A113-A71E-4BD3-850A-BB19F685E24D}" type="datetimeFigureOut">
               <a:rPr lang="ko-KR" altLang="en-US" smtClean="0"/>
-              <a:t>2016-02-11</a:t>
+              <a:t>2016-02-26</a:t>
             </a:fld>
             <a:endParaRPr lang="ko-KR" altLang="en-US"/>
           </a:p>
@@ -2095,7 +2102,7 @@
           <a:p>
             <a:fld id="{4203A113-A71E-4BD3-850A-BB19F685E24D}" type="datetimeFigureOut">
               <a:rPr lang="ko-KR" altLang="en-US" smtClean="0"/>
-              <a:t>2016-02-11</a:t>
+              <a:t>2016-02-26</a:t>
             </a:fld>
             <a:endParaRPr lang="ko-KR" altLang="en-US"/>
           </a:p>
@@ -2348,7 +2355,7 @@
           <a:p>
             <a:fld id="{4203A113-A71E-4BD3-850A-BB19F685E24D}" type="datetimeFigureOut">
               <a:rPr lang="ko-KR" altLang="en-US" smtClean="0"/>
-              <a:t>2016-02-11</a:t>
+              <a:t>2016-02-26</a:t>
             </a:fld>
             <a:endParaRPr lang="ko-KR" altLang="en-US"/>
           </a:p>
@@ -2561,7 +2568,7 @@
           <a:p>
             <a:fld id="{4203A113-A71E-4BD3-850A-BB19F685E24D}" type="datetimeFigureOut">
               <a:rPr lang="ko-KR" altLang="en-US" smtClean="0"/>
-              <a:t>2016-02-11</a:t>
+              <a:t>2016-02-26</a:t>
             </a:fld>
             <a:endParaRPr lang="ko-KR" altLang="en-US"/>
           </a:p>
@@ -3594,6 +3601,492 @@
           <a:chExt cx="0" cy="0"/>
         </a:xfrm>
       </p:grpSpPr>
+      <p:graphicFrame>
+        <p:nvGraphicFramePr>
+          <p:cNvPr id="4" name="표 3"/>
+          <p:cNvGraphicFramePr>
+            <a:graphicFrameLocks noGrp="1"/>
+          </p:cNvGraphicFramePr>
+          <p:nvPr>
+            <p:extLst>
+              <p:ext uri="{D42A27DB-BD31-4B8C-83A1-F6EECF244321}">
+                <p14:modId xmlns:p14="http://schemas.microsoft.com/office/powerpoint/2010/main" val="2493316487"/>
+              </p:ext>
+            </p:extLst>
+          </p:nvPr>
+        </p:nvGraphicFramePr>
+        <p:xfrm>
+          <a:off x="2032000" y="719666"/>
+          <a:ext cx="2977882" cy="4820920"/>
+        </p:xfrm>
+        <a:graphic>
+          <a:graphicData uri="http://schemas.openxmlformats.org/drawingml/2006/table">
+            <a:tbl>
+              <a:tblPr firstRow="1" bandRow="1">
+                <a:tableStyleId>{3B4B98B0-60AC-42C2-AFA5-B58CD77FA1E5}</a:tableStyleId>
+              </a:tblPr>
+              <a:tblGrid>
+                <a:gridCol w="1136203"/>
+                <a:gridCol w="1841679"/>
+              </a:tblGrid>
+              <a:tr h="370840">
+                <a:tc>
+                  <a:txBody>
+                    <a:bodyPr/>
+                    <a:lstStyle/>
+                    <a:p>
+                      <a:pPr latinLnBrk="1"/>
+                      <a:r>
+                        <a:rPr lang="en-US" altLang="ko-KR" dirty="0" smtClean="0"/>
+                        <a:t>Grade</a:t>
+                      </a:r>
+                      <a:endParaRPr lang="ko-KR" altLang="en-US" dirty="0"/>
+                    </a:p>
+                  </a:txBody>
+                  <a:tcPr/>
+                </a:tc>
+                <a:tc>
+                  <a:txBody>
+                    <a:bodyPr/>
+                    <a:lstStyle/>
+                    <a:p>
+                      <a:pPr latinLnBrk="1"/>
+                      <a:r>
+                        <a:rPr lang="ko-KR" altLang="en-US" dirty="0" smtClean="0"/>
+                        <a:t>내용</a:t>
+                      </a:r>
+                      <a:endParaRPr lang="ko-KR" altLang="en-US" dirty="0"/>
+                    </a:p>
+                  </a:txBody>
+                  <a:tcPr/>
+                </a:tc>
+              </a:tr>
+              <a:tr h="370840">
+                <a:tc>
+                  <a:txBody>
+                    <a:bodyPr/>
+                    <a:lstStyle/>
+                    <a:p>
+                      <a:pPr latinLnBrk="1"/>
+                      <a:r>
+                        <a:rPr lang="en-US" altLang="ko-KR" dirty="0" smtClean="0"/>
+                        <a:t>0</a:t>
+                      </a:r>
+                      <a:endParaRPr lang="ko-KR" altLang="en-US" dirty="0"/>
+                    </a:p>
+                  </a:txBody>
+                  <a:tcPr/>
+                </a:tc>
+                <a:tc>
+                  <a:txBody>
+                    <a:bodyPr/>
+                    <a:lstStyle/>
+                    <a:p>
+                      <a:pPr latinLnBrk="1"/>
+                      <a:r>
+                        <a:rPr lang="ko-KR" altLang="en-US" dirty="0" smtClean="0"/>
+                        <a:t>운영자</a:t>
+                      </a:r>
+                      <a:endParaRPr lang="ko-KR" altLang="en-US" dirty="0"/>
+                    </a:p>
+                  </a:txBody>
+                  <a:tcPr/>
+                </a:tc>
+              </a:tr>
+              <a:tr h="370840">
+                <a:tc>
+                  <a:txBody>
+                    <a:bodyPr/>
+                    <a:lstStyle/>
+                    <a:p>
+                      <a:pPr latinLnBrk="1"/>
+                      <a:r>
+                        <a:rPr lang="en-US" altLang="ko-KR" dirty="0" smtClean="0"/>
+                        <a:t>1</a:t>
+                      </a:r>
+                      <a:endParaRPr lang="ko-KR" altLang="en-US" dirty="0"/>
+                    </a:p>
+                  </a:txBody>
+                  <a:tcPr/>
+                </a:tc>
+                <a:tc>
+                  <a:txBody>
+                    <a:bodyPr/>
+                    <a:lstStyle/>
+                    <a:p>
+                      <a:pPr latinLnBrk="1"/>
+                      <a:r>
+                        <a:rPr lang="ko-KR" altLang="en-US" dirty="0" smtClean="0"/>
+                        <a:t>자치회장</a:t>
+                      </a:r>
+                      <a:endParaRPr lang="ko-KR" altLang="en-US" dirty="0"/>
+                    </a:p>
+                  </a:txBody>
+                  <a:tcPr/>
+                </a:tc>
+              </a:tr>
+              <a:tr h="370840">
+                <a:tc>
+                  <a:txBody>
+                    <a:bodyPr/>
+                    <a:lstStyle/>
+                    <a:p>
+                      <a:pPr latinLnBrk="1"/>
+                      <a:r>
+                        <a:rPr lang="en-US" altLang="ko-KR" dirty="0" smtClean="0"/>
+                        <a:t>2</a:t>
+                      </a:r>
+                      <a:endParaRPr lang="ko-KR" altLang="en-US" dirty="0"/>
+                    </a:p>
+                  </a:txBody>
+                  <a:tcPr/>
+                </a:tc>
+                <a:tc>
+                  <a:txBody>
+                    <a:bodyPr/>
+                    <a:lstStyle/>
+                    <a:p>
+                      <a:pPr latinLnBrk="1"/>
+                      <a:r>
+                        <a:rPr lang="ko-KR" altLang="en-US" dirty="0" smtClean="0"/>
+                        <a:t>생활부장</a:t>
+                      </a:r>
+                      <a:endParaRPr lang="ko-KR" altLang="en-US" dirty="0"/>
+                    </a:p>
+                  </a:txBody>
+                  <a:tcPr/>
+                </a:tc>
+              </a:tr>
+              <a:tr h="370840">
+                <a:tc>
+                  <a:txBody>
+                    <a:bodyPr/>
+                    <a:lstStyle/>
+                    <a:p>
+                      <a:pPr latinLnBrk="1"/>
+                      <a:r>
+                        <a:rPr lang="en-US" altLang="ko-KR" dirty="0" smtClean="0"/>
+                        <a:t>3</a:t>
+                      </a:r>
+                      <a:endParaRPr lang="ko-KR" altLang="en-US" dirty="0"/>
+                    </a:p>
+                  </a:txBody>
+                  <a:tcPr/>
+                </a:tc>
+                <a:tc>
+                  <a:txBody>
+                    <a:bodyPr/>
+                    <a:lstStyle/>
+                    <a:p>
+                      <a:pPr latinLnBrk="1"/>
+                      <a:r>
+                        <a:rPr lang="ko-KR" altLang="en-US" dirty="0" smtClean="0"/>
+                        <a:t>교육부장</a:t>
+                      </a:r>
+                      <a:endParaRPr lang="ko-KR" altLang="en-US" dirty="0"/>
+                    </a:p>
+                  </a:txBody>
+                  <a:tcPr/>
+                </a:tc>
+              </a:tr>
+              <a:tr h="370840">
+                <a:tc>
+                  <a:txBody>
+                    <a:bodyPr/>
+                    <a:lstStyle/>
+                    <a:p>
+                      <a:pPr latinLnBrk="1"/>
+                      <a:r>
+                        <a:rPr lang="en-US" altLang="ko-KR" dirty="0" smtClean="0"/>
+                        <a:t>4</a:t>
+                      </a:r>
+                      <a:endParaRPr lang="ko-KR" altLang="en-US" dirty="0"/>
+                    </a:p>
+                  </a:txBody>
+                  <a:tcPr/>
+                </a:tc>
+                <a:tc>
+                  <a:txBody>
+                    <a:bodyPr/>
+                    <a:lstStyle/>
+                    <a:p>
+                      <a:pPr latinLnBrk="1"/>
+                      <a:r>
+                        <a:rPr lang="en-US" altLang="ko-KR" dirty="0" smtClean="0"/>
+                        <a:t>PX</a:t>
+                      </a:r>
+                      <a:r>
+                        <a:rPr lang="ko-KR" altLang="en-US" dirty="0" smtClean="0"/>
+                        <a:t>부장</a:t>
+                      </a:r>
+                      <a:endParaRPr lang="ko-KR" altLang="en-US" dirty="0"/>
+                    </a:p>
+                  </a:txBody>
+                  <a:tcPr/>
+                </a:tc>
+              </a:tr>
+              <a:tr h="370840">
+                <a:tc>
+                  <a:txBody>
+                    <a:bodyPr/>
+                    <a:lstStyle/>
+                    <a:p>
+                      <a:pPr latinLnBrk="1"/>
+                      <a:r>
+                        <a:rPr lang="en-US" altLang="ko-KR" dirty="0" smtClean="0"/>
+                        <a:t>5</a:t>
+                      </a:r>
+                      <a:endParaRPr lang="ko-KR" altLang="en-US" dirty="0"/>
+                    </a:p>
+                  </a:txBody>
+                  <a:tcPr/>
+                </a:tc>
+                <a:tc>
+                  <a:txBody>
+                    <a:bodyPr/>
+                    <a:lstStyle/>
+                    <a:p>
+                      <a:pPr latinLnBrk="1"/>
+                      <a:r>
+                        <a:rPr lang="ko-KR" altLang="en-US" dirty="0" smtClean="0"/>
+                        <a:t>자산관리부장</a:t>
+                      </a:r>
+                      <a:endParaRPr lang="ko-KR" altLang="en-US" dirty="0"/>
+                    </a:p>
+                  </a:txBody>
+                  <a:tcPr/>
+                </a:tc>
+              </a:tr>
+              <a:tr h="370840">
+                <a:tc>
+                  <a:txBody>
+                    <a:bodyPr/>
+                    <a:lstStyle/>
+                    <a:p>
+                      <a:pPr latinLnBrk="1"/>
+                      <a:r>
+                        <a:rPr lang="en-US" altLang="ko-KR" dirty="0" smtClean="0"/>
+                        <a:t>6</a:t>
+                      </a:r>
+                      <a:endParaRPr lang="ko-KR" altLang="en-US" dirty="0"/>
+                    </a:p>
+                  </a:txBody>
+                  <a:tcPr/>
+                </a:tc>
+                <a:tc>
+                  <a:txBody>
+                    <a:bodyPr/>
+                    <a:lstStyle/>
+                    <a:p>
+                      <a:pPr latinLnBrk="1"/>
+                      <a:r>
+                        <a:rPr lang="ko-KR" altLang="en-US" dirty="0" smtClean="0"/>
+                        <a:t>기획부장</a:t>
+                      </a:r>
+                      <a:endParaRPr lang="ko-KR" altLang="en-US" dirty="0"/>
+                    </a:p>
+                  </a:txBody>
+                  <a:tcPr/>
+                </a:tc>
+              </a:tr>
+              <a:tr h="370840">
+                <a:tc>
+                  <a:txBody>
+                    <a:bodyPr/>
+                    <a:lstStyle/>
+                    <a:p>
+                      <a:pPr latinLnBrk="1"/>
+                      <a:r>
+                        <a:rPr lang="en-US" altLang="ko-KR" dirty="0" smtClean="0"/>
+                        <a:t>7</a:t>
+                      </a:r>
+                      <a:endParaRPr lang="ko-KR" altLang="en-US" dirty="0"/>
+                    </a:p>
+                  </a:txBody>
+                  <a:tcPr/>
+                </a:tc>
+                <a:tc>
+                  <a:txBody>
+                    <a:bodyPr/>
+                    <a:lstStyle/>
+                    <a:p>
+                      <a:pPr latinLnBrk="1"/>
+                      <a:r>
+                        <a:rPr lang="ko-KR" altLang="en-US" dirty="0" smtClean="0"/>
+                        <a:t>사용 안 함</a:t>
+                      </a:r>
+                      <a:endParaRPr lang="ko-KR" altLang="en-US" dirty="0"/>
+                    </a:p>
+                  </a:txBody>
+                  <a:tcPr/>
+                </a:tc>
+              </a:tr>
+              <a:tr h="370840">
+                <a:tc>
+                  <a:txBody>
+                    <a:bodyPr/>
+                    <a:lstStyle/>
+                    <a:p>
+                      <a:pPr latinLnBrk="1"/>
+                      <a:r>
+                        <a:rPr lang="en-US" altLang="ko-KR" dirty="0" smtClean="0"/>
+                        <a:t>8</a:t>
+                      </a:r>
+                      <a:endParaRPr lang="ko-KR" altLang="en-US" dirty="0"/>
+                    </a:p>
+                  </a:txBody>
+                  <a:tcPr/>
+                </a:tc>
+                <a:tc>
+                  <a:txBody>
+                    <a:bodyPr/>
+                    <a:lstStyle/>
+                    <a:p>
+                      <a:pPr latinLnBrk="1"/>
+                      <a:r>
+                        <a:rPr lang="ko-KR" altLang="en-US" dirty="0" smtClean="0"/>
+                        <a:t>기존회원</a:t>
+                      </a:r>
+                      <a:endParaRPr lang="ko-KR" altLang="en-US" dirty="0"/>
+                    </a:p>
+                  </a:txBody>
+                  <a:tcPr/>
+                </a:tc>
+              </a:tr>
+              <a:tr h="370840">
+                <a:tc>
+                  <a:txBody>
+                    <a:bodyPr/>
+                    <a:lstStyle/>
+                    <a:p>
+                      <a:pPr latinLnBrk="1"/>
+                      <a:r>
+                        <a:rPr lang="en-US" altLang="ko-KR" dirty="0" smtClean="0"/>
+                        <a:t>9</a:t>
+                      </a:r>
+                      <a:endParaRPr lang="ko-KR" altLang="en-US" dirty="0"/>
+                    </a:p>
+                  </a:txBody>
+                  <a:tcPr/>
+                </a:tc>
+                <a:tc>
+                  <a:txBody>
+                    <a:bodyPr/>
+                    <a:lstStyle/>
+                    <a:p>
+                      <a:pPr latinLnBrk="1"/>
+                      <a:r>
+                        <a:rPr lang="ko-KR" altLang="en-US" dirty="0" smtClean="0"/>
+                        <a:t>신입회원</a:t>
+                      </a:r>
+                      <a:endParaRPr lang="ko-KR" altLang="en-US" dirty="0"/>
+                    </a:p>
+                  </a:txBody>
+                  <a:tcPr/>
+                </a:tc>
+              </a:tr>
+              <a:tr h="370840">
+                <a:tc>
+                  <a:txBody>
+                    <a:bodyPr/>
+                    <a:lstStyle/>
+                    <a:p>
+                      <a:pPr latinLnBrk="1"/>
+                      <a:r>
+                        <a:rPr lang="en-US" altLang="ko-KR" dirty="0" smtClean="0"/>
+                        <a:t>10</a:t>
+                      </a:r>
+                      <a:endParaRPr lang="ko-KR" altLang="en-US" dirty="0"/>
+                    </a:p>
+                  </a:txBody>
+                  <a:tcPr/>
+                </a:tc>
+                <a:tc>
+                  <a:txBody>
+                    <a:bodyPr/>
+                    <a:lstStyle/>
+                    <a:p>
+                      <a:pPr latinLnBrk="1"/>
+                      <a:r>
+                        <a:rPr lang="ko-KR" altLang="en-US" dirty="0" smtClean="0"/>
+                        <a:t>수료자</a:t>
+                      </a:r>
+                      <a:endParaRPr lang="ko-KR" altLang="en-US" dirty="0"/>
+                    </a:p>
+                  </a:txBody>
+                  <a:tcPr/>
+                </a:tc>
+              </a:tr>
+              <a:tr h="370840">
+                <a:tc>
+                  <a:txBody>
+                    <a:bodyPr/>
+                    <a:lstStyle/>
+                    <a:p>
+                      <a:pPr latinLnBrk="1"/>
+                      <a:r>
+                        <a:rPr lang="en-US" altLang="ko-KR" dirty="0" smtClean="0"/>
+                        <a:t>-1</a:t>
+                      </a:r>
+                      <a:endParaRPr lang="ko-KR" altLang="en-US" dirty="0"/>
+                    </a:p>
+                  </a:txBody>
+                  <a:tcPr/>
+                </a:tc>
+                <a:tc>
+                  <a:txBody>
+                    <a:bodyPr/>
+                    <a:lstStyle/>
+                    <a:p>
+                      <a:pPr latinLnBrk="1"/>
+                      <a:r>
+                        <a:rPr lang="ko-KR" altLang="en-US" dirty="0" smtClean="0"/>
+                        <a:t>미 인증</a:t>
+                      </a:r>
+                      <a:r>
+                        <a:rPr lang="ko-KR" altLang="en-US" baseline="0" dirty="0" smtClean="0"/>
+                        <a:t> 계정</a:t>
+                      </a:r>
+                      <a:endParaRPr lang="ko-KR" altLang="en-US" dirty="0"/>
+                    </a:p>
+                  </a:txBody>
+                  <a:tcPr/>
+                </a:tc>
+              </a:tr>
+            </a:tbl>
+          </a:graphicData>
+        </a:graphic>
+      </p:graphicFrame>
+    </p:spTree>
+    <p:extLst>
+      <p:ext uri="{BB962C8B-B14F-4D97-AF65-F5344CB8AC3E}">
+        <p14:creationId xmlns:p14="http://schemas.microsoft.com/office/powerpoint/2010/main" val="3880596519"/>
+      </p:ext>
+    </p:extLst>
+  </p:cSld>
+  <p:clrMapOvr>
+    <a:masterClrMapping/>
+  </p:clrMapOvr>
+</p:sld>
+</file>
+
+<file path=ppt/slides/slide4.xml><?xml version="1.0" encoding="utf-8"?>
+<p:sld xmlns:a="http://schemas.openxmlformats.org/drawingml/2006/main" xmlns:r="http://schemas.openxmlformats.org/officeDocument/2006/relationships" xmlns:p="http://schemas.openxmlformats.org/presentationml/2006/main">
+  <p:cSld>
+    <p:spTree>
+      <p:nvGrpSpPr>
+        <p:cNvPr id="1" name=""/>
+        <p:cNvGrpSpPr/>
+        <p:nvPr/>
+      </p:nvGrpSpPr>
+      <p:grpSpPr>
+        <a:xfrm>
+          <a:off x="0" y="0"/>
+          <a:ext cx="0" cy="0"/>
+          <a:chOff x="0" y="0"/>
+          <a:chExt cx="0" cy="0"/>
+        </a:xfrm>
+      </p:grpSpPr>
       <p:pic>
         <p:nvPicPr>
           <p:cNvPr id="4" name="그림 3"/>
@@ -4058,7 +4551,7 @@
         </p:nvSpPr>
         <p:spPr>
           <a:xfrm>
-            <a:off x="4245429" y="2883492"/>
+            <a:off x="4249112" y="2665966"/>
             <a:ext cx="2569029" cy="486270"/>
           </a:xfrm>
           <a:prstGeom prst="rect">
@@ -4108,7 +4601,7 @@
         </p:nvSpPr>
         <p:spPr>
           <a:xfrm>
-            <a:off x="4245429" y="3453156"/>
+            <a:off x="4249112" y="3235630"/>
             <a:ext cx="2569029" cy="486270"/>
           </a:xfrm>
           <a:prstGeom prst="rect">
@@ -4158,7 +4651,7 @@
         </p:nvSpPr>
         <p:spPr>
           <a:xfrm>
-            <a:off x="4245429" y="4017969"/>
+            <a:off x="4249112" y="3800443"/>
             <a:ext cx="2569029" cy="486270"/>
           </a:xfrm>
           <a:prstGeom prst="rect">
@@ -4194,7 +4687,11 @@
             <a:pPr algn="ctr"/>
             <a:r>
               <a:rPr lang="en-US" altLang="ko-KR" dirty="0" smtClean="0"/>
-              <a:t>DB Manager</a:t>
+              <a:t>DB </a:t>
+            </a:r>
+            <a:r>
+              <a:rPr lang="en-US" altLang="ko-KR" dirty="0" smtClean="0"/>
+              <a:t>Connector</a:t>
             </a:r>
             <a:endParaRPr lang="ko-KR" altLang="en-US" dirty="0"/>
           </a:p>
@@ -4208,7 +4705,7 @@
         </p:nvSpPr>
         <p:spPr>
           <a:xfrm>
-            <a:off x="4245428" y="4582782"/>
+            <a:off x="4249111" y="4365256"/>
             <a:ext cx="2569029" cy="486270"/>
           </a:xfrm>
           <a:prstGeom prst="rect">
@@ -4577,7 +5074,7 @@
         <p:spPr>
           <a:xfrm>
             <a:off x="4314609" y="2261964"/>
-            <a:ext cx="1215333" cy="369332"/>
+            <a:ext cx="1316386" cy="369332"/>
           </a:xfrm>
           <a:prstGeom prst="rect">
             <a:avLst/>
@@ -4592,7 +5089,7 @@
           <a:p>
             <a:r>
               <a:rPr lang="en-US" altLang="ko-KR" dirty="0" smtClean="0"/>
-              <a:t>Controller</a:t>
+              <a:t>Controllers</a:t>
             </a:r>
             <a:endParaRPr lang="ko-KR" altLang="en-US" dirty="0"/>
           </a:p>
@@ -4606,7 +5103,7 @@
         </p:nvSpPr>
         <p:spPr>
           <a:xfrm>
-            <a:off x="4245428" y="5154914"/>
+            <a:off x="4249111" y="4937388"/>
             <a:ext cx="2569029" cy="486270"/>
           </a:xfrm>
           <a:prstGeom prst="rect">
@@ -4657,7 +5154,7 @@
         <p:spPr>
           <a:xfrm>
             <a:off x="7366238" y="1893365"/>
-            <a:ext cx="1215333" cy="369332"/>
+            <a:ext cx="952505" cy="369332"/>
           </a:xfrm>
           <a:prstGeom prst="rect">
             <a:avLst/>
@@ -4672,7 +5169,7 @@
           <a:p>
             <a:r>
               <a:rPr lang="en-US" altLang="ko-KR" dirty="0" smtClean="0"/>
-              <a:t>Controller</a:t>
+              <a:t>Models</a:t>
             </a:r>
             <a:endParaRPr lang="ko-KR" altLang="en-US" dirty="0"/>
           </a:p>
@@ -4837,10 +5334,853 @@
           </a:fontRef>
         </p:style>
       </p:cxnSp>
+      <p:sp>
+        <p:nvSpPr>
+          <p:cNvPr id="33" name="직사각형 32"/>
+          <p:cNvSpPr/>
+          <p:nvPr/>
+        </p:nvSpPr>
+        <p:spPr>
+          <a:xfrm>
+            <a:off x="4255562" y="5506011"/>
+            <a:ext cx="2569029" cy="486270"/>
+          </a:xfrm>
+          <a:prstGeom prst="rect">
+            <a:avLst/>
+          </a:prstGeom>
+          <a:solidFill>
+            <a:srgbClr val="7F7923"/>
+          </a:solidFill>
+          <a:ln>
+            <a:noFill/>
+          </a:ln>
+        </p:spPr>
+        <p:style>
+          <a:lnRef idx="2">
+            <a:schemeClr val="accent1">
+              <a:shade val="50000"/>
+            </a:schemeClr>
+          </a:lnRef>
+          <a:fillRef idx="1">
+            <a:schemeClr val="accent1"/>
+          </a:fillRef>
+          <a:effectRef idx="0">
+            <a:schemeClr val="accent1"/>
+          </a:effectRef>
+          <a:fontRef idx="minor">
+            <a:schemeClr val="lt1"/>
+          </a:fontRef>
+        </p:style>
+        <p:txBody>
+          <a:bodyPr rtlCol="0" anchor="ctr"/>
+          <a:lstStyle/>
+          <a:p>
+            <a:pPr algn="ctr"/>
+            <a:r>
+              <a:rPr lang="en-US" altLang="ko-KR" dirty="0" smtClean="0"/>
+              <a:t>Excel Manager</a:t>
+            </a:r>
+            <a:endParaRPr lang="ko-KR" altLang="en-US" dirty="0"/>
+          </a:p>
+        </p:txBody>
+      </p:sp>
     </p:spTree>
     <p:extLst>
       <p:ext uri="{BB962C8B-B14F-4D97-AF65-F5344CB8AC3E}">
         <p14:creationId xmlns:p14="http://schemas.microsoft.com/office/powerpoint/2010/main" val="134397467"/>
+      </p:ext>
+    </p:extLst>
+  </p:cSld>
+  <p:clrMapOvr>
+    <a:masterClrMapping/>
+  </p:clrMapOvr>
+</p:sld>
+</file>
+
+<file path=ppt/slides/slide5.xml><?xml version="1.0" encoding="utf-8"?>
+<p:sld xmlns:a="http://schemas.openxmlformats.org/drawingml/2006/main" xmlns:r="http://schemas.openxmlformats.org/officeDocument/2006/relationships" xmlns:p="http://schemas.openxmlformats.org/presentationml/2006/main">
+  <p:cSld>
+    <p:spTree>
+      <p:nvGrpSpPr>
+        <p:cNvPr id="1" name=""/>
+        <p:cNvGrpSpPr/>
+        <p:nvPr/>
+      </p:nvGrpSpPr>
+      <p:grpSpPr>
+        <a:xfrm>
+          <a:off x="0" y="0"/>
+          <a:ext cx="0" cy="0"/>
+          <a:chOff x="0" y="0"/>
+          <a:chExt cx="0" cy="0"/>
+        </a:xfrm>
+      </p:grpSpPr>
+      <p:pic>
+        <p:nvPicPr>
+          <p:cNvPr id="4" name="그림 3"/>
+          <p:cNvPicPr/>
+          <p:nvPr/>
+        </p:nvPicPr>
+        <p:blipFill>
+          <a:blip r:embed="rId2"/>
+          <a:stretch>
+            <a:fillRect/>
+          </a:stretch>
+        </p:blipFill>
+        <p:spPr>
+          <a:xfrm>
+            <a:off x="1019923" y="-4862278"/>
+            <a:ext cx="10290037" cy="5344329"/>
+          </a:xfrm>
+          <a:prstGeom prst="rect">
+            <a:avLst/>
+          </a:prstGeom>
+        </p:spPr>
+      </p:pic>
+      <p:sp>
+        <p:nvSpPr>
+          <p:cNvPr id="5" name="모서리가 둥근 직사각형 4"/>
+          <p:cNvSpPr/>
+          <p:nvPr/>
+        </p:nvSpPr>
+        <p:spPr>
+          <a:xfrm>
+            <a:off x="729343" y="1407886"/>
+            <a:ext cx="9405257" cy="4847771"/>
+          </a:xfrm>
+          <a:prstGeom prst="roundRect">
+            <a:avLst/>
+          </a:prstGeom>
+          <a:solidFill>
+            <a:srgbClr val="403D11"/>
+          </a:solidFill>
+          <a:ln>
+            <a:noFill/>
+          </a:ln>
+        </p:spPr>
+        <p:style>
+          <a:lnRef idx="2">
+            <a:schemeClr val="accent1">
+              <a:shade val="50000"/>
+            </a:schemeClr>
+          </a:lnRef>
+          <a:fillRef idx="1">
+            <a:schemeClr val="accent1"/>
+          </a:fillRef>
+          <a:effectRef idx="0">
+            <a:schemeClr val="accent1"/>
+          </a:effectRef>
+          <a:fontRef idx="minor">
+            <a:schemeClr val="lt1"/>
+          </a:fontRef>
+        </p:style>
+        <p:txBody>
+          <a:bodyPr rtlCol="0" anchor="ctr"/>
+          <a:lstStyle/>
+          <a:p>
+            <a:pPr algn="ctr"/>
+            <a:endParaRPr lang="ko-KR" altLang="en-US"/>
+          </a:p>
+        </p:txBody>
+      </p:sp>
+      <p:sp>
+        <p:nvSpPr>
+          <p:cNvPr id="24" name="TextBox 23"/>
+          <p:cNvSpPr txBox="1"/>
+          <p:nvPr/>
+        </p:nvSpPr>
+        <p:spPr>
+          <a:xfrm>
+            <a:off x="1034144" y="1598292"/>
+            <a:ext cx="3181127" cy="523220"/>
+          </a:xfrm>
+          <a:prstGeom prst="rect">
+            <a:avLst/>
+          </a:prstGeom>
+          <a:noFill/>
+        </p:spPr>
+        <p:txBody>
+          <a:bodyPr wrap="none" rtlCol="0">
+            <a:spAutoFit/>
+          </a:bodyPr>
+          <a:lstStyle/>
+          <a:p>
+            <a:r>
+              <a:rPr lang="en-US" altLang="ko-KR" sz="2800" dirty="0" smtClean="0">
+                <a:solidFill>
+                  <a:schemeClr val="bg1"/>
+                </a:solidFill>
+              </a:rPr>
+              <a:t>Attendance Server</a:t>
+            </a:r>
+            <a:endParaRPr lang="ko-KR" altLang="en-US" sz="2800" dirty="0">
+              <a:solidFill>
+                <a:schemeClr val="bg1"/>
+              </a:solidFill>
+            </a:endParaRPr>
+          </a:p>
+        </p:txBody>
+      </p:sp>
+      <p:sp>
+        <p:nvSpPr>
+          <p:cNvPr id="29" name="TextBox 28"/>
+          <p:cNvSpPr txBox="1"/>
+          <p:nvPr/>
+        </p:nvSpPr>
+        <p:spPr>
+          <a:xfrm>
+            <a:off x="8463590" y="5302587"/>
+            <a:ext cx="235962" cy="923330"/>
+          </a:xfrm>
+          <a:prstGeom prst="rect">
+            <a:avLst/>
+          </a:prstGeom>
+          <a:noFill/>
+        </p:spPr>
+        <p:txBody>
+          <a:bodyPr wrap="none" rtlCol="0">
+            <a:spAutoFit/>
+          </a:bodyPr>
+          <a:lstStyle/>
+          <a:p>
+            <a:r>
+              <a:rPr lang="en-US" altLang="ko-KR" dirty="0" smtClean="0"/>
+              <a:t>.</a:t>
+            </a:r>
+          </a:p>
+          <a:p>
+            <a:r>
+              <a:rPr lang="en-US" altLang="ko-KR" dirty="0" smtClean="0"/>
+              <a:t>.</a:t>
+            </a:r>
+          </a:p>
+          <a:p>
+            <a:r>
+              <a:rPr lang="en-US" altLang="ko-KR" dirty="0" smtClean="0"/>
+              <a:t>.</a:t>
+            </a:r>
+          </a:p>
+        </p:txBody>
+      </p:sp>
+      <p:sp>
+        <p:nvSpPr>
+          <p:cNvPr id="33" name="모서리가 둥근 직사각형 32"/>
+          <p:cNvSpPr/>
+          <p:nvPr/>
+        </p:nvSpPr>
+        <p:spPr>
+          <a:xfrm>
+            <a:off x="1034144" y="2502678"/>
+            <a:ext cx="2888342" cy="1513983"/>
+          </a:xfrm>
+          <a:prstGeom prst="roundRect">
+            <a:avLst/>
+          </a:prstGeom>
+          <a:solidFill>
+            <a:srgbClr val="E3DA63"/>
+          </a:solidFill>
+          <a:ln>
+            <a:noFill/>
+          </a:ln>
+        </p:spPr>
+        <p:style>
+          <a:lnRef idx="2">
+            <a:schemeClr val="accent1">
+              <a:shade val="50000"/>
+            </a:schemeClr>
+          </a:lnRef>
+          <a:fillRef idx="1">
+            <a:schemeClr val="accent1"/>
+          </a:fillRef>
+          <a:effectRef idx="0">
+            <a:schemeClr val="accent1"/>
+          </a:effectRef>
+          <a:fontRef idx="minor">
+            <a:schemeClr val="lt1"/>
+          </a:fontRef>
+        </p:style>
+        <p:txBody>
+          <a:bodyPr rtlCol="0" anchor="ctr"/>
+          <a:lstStyle/>
+          <a:p>
+            <a:pPr algn="ctr"/>
+            <a:endParaRPr lang="ko-KR" altLang="en-US"/>
+          </a:p>
+        </p:txBody>
+      </p:sp>
+      <p:sp>
+        <p:nvSpPr>
+          <p:cNvPr id="36" name="모서리가 둥근 직사각형 35"/>
+          <p:cNvSpPr/>
+          <p:nvPr/>
+        </p:nvSpPr>
+        <p:spPr>
+          <a:xfrm>
+            <a:off x="4085772" y="2336800"/>
+            <a:ext cx="2888342" cy="3759200"/>
+          </a:xfrm>
+          <a:prstGeom prst="roundRect">
+            <a:avLst/>
+          </a:prstGeom>
+          <a:solidFill>
+            <a:srgbClr val="E3DA63"/>
+          </a:solidFill>
+          <a:ln>
+            <a:noFill/>
+          </a:ln>
+        </p:spPr>
+        <p:style>
+          <a:lnRef idx="2">
+            <a:schemeClr val="accent1">
+              <a:shade val="50000"/>
+            </a:schemeClr>
+          </a:lnRef>
+          <a:fillRef idx="1">
+            <a:schemeClr val="accent1"/>
+          </a:fillRef>
+          <a:effectRef idx="0">
+            <a:schemeClr val="accent1"/>
+          </a:effectRef>
+          <a:fontRef idx="minor">
+            <a:schemeClr val="lt1"/>
+          </a:fontRef>
+        </p:style>
+        <p:txBody>
+          <a:bodyPr rtlCol="0" anchor="ctr"/>
+          <a:lstStyle/>
+          <a:p>
+            <a:pPr algn="ctr"/>
+            <a:endParaRPr lang="ko-KR" altLang="en-US"/>
+          </a:p>
+        </p:txBody>
+      </p:sp>
+      <p:sp>
+        <p:nvSpPr>
+          <p:cNvPr id="37" name="모서리가 둥근 직사각형 36"/>
+          <p:cNvSpPr/>
+          <p:nvPr/>
+        </p:nvSpPr>
+        <p:spPr>
+          <a:xfrm>
+            <a:off x="7137400" y="2336800"/>
+            <a:ext cx="2888342" cy="3715658"/>
+          </a:xfrm>
+          <a:prstGeom prst="roundRect">
+            <a:avLst/>
+          </a:prstGeom>
+          <a:solidFill>
+            <a:srgbClr val="E3DA63"/>
+          </a:solidFill>
+          <a:ln>
+            <a:noFill/>
+          </a:ln>
+        </p:spPr>
+        <p:style>
+          <a:lnRef idx="2">
+            <a:schemeClr val="accent1">
+              <a:shade val="50000"/>
+            </a:schemeClr>
+          </a:lnRef>
+          <a:fillRef idx="1">
+            <a:schemeClr val="accent1"/>
+          </a:fillRef>
+          <a:effectRef idx="0">
+            <a:schemeClr val="accent1"/>
+          </a:effectRef>
+          <a:fontRef idx="minor">
+            <a:schemeClr val="lt1"/>
+          </a:fontRef>
+        </p:style>
+        <p:txBody>
+          <a:bodyPr rtlCol="0" anchor="ctr"/>
+          <a:lstStyle/>
+          <a:p>
+            <a:pPr algn="ctr"/>
+            <a:endParaRPr lang="ko-KR" altLang="en-US"/>
+          </a:p>
+        </p:txBody>
+      </p:sp>
+      <p:sp>
+        <p:nvSpPr>
+          <p:cNvPr id="38" name="모서리가 둥근 직사각형 37"/>
+          <p:cNvSpPr/>
+          <p:nvPr/>
+        </p:nvSpPr>
+        <p:spPr>
+          <a:xfrm>
+            <a:off x="1034144" y="4360507"/>
+            <a:ext cx="2888342" cy="1513983"/>
+          </a:xfrm>
+          <a:prstGeom prst="roundRect">
+            <a:avLst/>
+          </a:prstGeom>
+          <a:solidFill>
+            <a:srgbClr val="E3DA63"/>
+          </a:solidFill>
+          <a:ln>
+            <a:noFill/>
+          </a:ln>
+        </p:spPr>
+        <p:style>
+          <a:lnRef idx="2">
+            <a:schemeClr val="accent1">
+              <a:shade val="50000"/>
+            </a:schemeClr>
+          </a:lnRef>
+          <a:fillRef idx="1">
+            <a:schemeClr val="accent1"/>
+          </a:fillRef>
+          <a:effectRef idx="0">
+            <a:schemeClr val="accent1"/>
+          </a:effectRef>
+          <a:fontRef idx="minor">
+            <a:schemeClr val="lt1"/>
+          </a:fontRef>
+        </p:style>
+        <p:txBody>
+          <a:bodyPr rtlCol="0" anchor="ctr"/>
+          <a:lstStyle/>
+          <a:p>
+            <a:pPr algn="ctr"/>
+            <a:endParaRPr lang="ko-KR" altLang="en-US"/>
+          </a:p>
+        </p:txBody>
+      </p:sp>
+      <p:sp>
+        <p:nvSpPr>
+          <p:cNvPr id="39" name="TextBox 38"/>
+          <p:cNvSpPr txBox="1"/>
+          <p:nvPr/>
+        </p:nvSpPr>
+        <p:spPr>
+          <a:xfrm>
+            <a:off x="1194230" y="2678015"/>
+            <a:ext cx="2039020" cy="369332"/>
+          </a:xfrm>
+          <a:prstGeom prst="rect">
+            <a:avLst/>
+          </a:prstGeom>
+          <a:noFill/>
+        </p:spPr>
+        <p:txBody>
+          <a:bodyPr wrap="none" rtlCol="0">
+            <a:spAutoFit/>
+          </a:bodyPr>
+          <a:lstStyle/>
+          <a:p>
+            <a:r>
+              <a:rPr lang="en-US" altLang="ko-KR" dirty="0" smtClean="0"/>
+              <a:t>Access Connector</a:t>
+            </a:r>
+            <a:endParaRPr lang="ko-KR" altLang="en-US" dirty="0"/>
+          </a:p>
+        </p:txBody>
+      </p:sp>
+      <p:sp>
+        <p:nvSpPr>
+          <p:cNvPr id="40" name="TextBox 39"/>
+          <p:cNvSpPr txBox="1"/>
+          <p:nvPr/>
+        </p:nvSpPr>
+        <p:spPr>
+          <a:xfrm>
+            <a:off x="1194230" y="4483169"/>
+            <a:ext cx="1966885" cy="369332"/>
+          </a:xfrm>
+          <a:prstGeom prst="rect">
+            <a:avLst/>
+          </a:prstGeom>
+          <a:noFill/>
+        </p:spPr>
+        <p:txBody>
+          <a:bodyPr wrap="none" rtlCol="0">
+            <a:spAutoFit/>
+          </a:bodyPr>
+          <a:lstStyle/>
+          <a:p>
+            <a:r>
+              <a:rPr lang="en-US" altLang="ko-KR" dirty="0" err="1" smtClean="0"/>
+              <a:t>Mysql</a:t>
+            </a:r>
+            <a:r>
+              <a:rPr lang="en-US" altLang="ko-KR" dirty="0" smtClean="0"/>
+              <a:t> Connector</a:t>
+            </a:r>
+            <a:endParaRPr lang="ko-KR" altLang="en-US" dirty="0"/>
+          </a:p>
+        </p:txBody>
+      </p:sp>
+      <p:sp>
+        <p:nvSpPr>
+          <p:cNvPr id="41" name="TextBox 40"/>
+          <p:cNvSpPr txBox="1"/>
+          <p:nvPr/>
+        </p:nvSpPr>
+        <p:spPr>
+          <a:xfrm>
+            <a:off x="4411288" y="2502678"/>
+            <a:ext cx="867545" cy="369332"/>
+          </a:xfrm>
+          <a:prstGeom prst="rect">
+            <a:avLst/>
+          </a:prstGeom>
+          <a:noFill/>
+        </p:spPr>
+        <p:txBody>
+          <a:bodyPr wrap="none" rtlCol="0">
+            <a:spAutoFit/>
+          </a:bodyPr>
+          <a:lstStyle/>
+          <a:p>
+            <a:r>
+              <a:rPr lang="en-US" altLang="ko-KR" dirty="0"/>
+              <a:t>Copier</a:t>
+            </a:r>
+            <a:endParaRPr lang="ko-KR" altLang="en-US" dirty="0"/>
+          </a:p>
+        </p:txBody>
+      </p:sp>
+      <p:sp>
+        <p:nvSpPr>
+          <p:cNvPr id="42" name="TextBox 41"/>
+          <p:cNvSpPr txBox="1"/>
+          <p:nvPr/>
+        </p:nvSpPr>
+        <p:spPr>
+          <a:xfrm>
+            <a:off x="7378855" y="2502678"/>
+            <a:ext cx="908390" cy="369332"/>
+          </a:xfrm>
+          <a:prstGeom prst="rect">
+            <a:avLst/>
+          </a:prstGeom>
+          <a:noFill/>
+        </p:spPr>
+        <p:txBody>
+          <a:bodyPr wrap="none" rtlCol="0">
+            <a:spAutoFit/>
+          </a:bodyPr>
+          <a:lstStyle/>
+          <a:p>
+            <a:r>
+              <a:rPr lang="en-US" altLang="ko-KR" dirty="0" smtClean="0"/>
+              <a:t>Trigger</a:t>
+            </a:r>
+            <a:endParaRPr lang="ko-KR" altLang="en-US" dirty="0"/>
+          </a:p>
+        </p:txBody>
+      </p:sp>
+      <p:sp>
+        <p:nvSpPr>
+          <p:cNvPr id="43" name="직사각형 42"/>
+          <p:cNvSpPr/>
+          <p:nvPr/>
+        </p:nvSpPr>
+        <p:spPr>
+          <a:xfrm>
+            <a:off x="1194230" y="3315206"/>
+            <a:ext cx="2569029" cy="486270"/>
+          </a:xfrm>
+          <a:prstGeom prst="rect">
+            <a:avLst/>
+          </a:prstGeom>
+          <a:solidFill>
+            <a:srgbClr val="7F7923"/>
+          </a:solidFill>
+          <a:ln>
+            <a:noFill/>
+          </a:ln>
+        </p:spPr>
+        <p:style>
+          <a:lnRef idx="2">
+            <a:schemeClr val="accent1">
+              <a:shade val="50000"/>
+            </a:schemeClr>
+          </a:lnRef>
+          <a:fillRef idx="1">
+            <a:schemeClr val="accent1"/>
+          </a:fillRef>
+          <a:effectRef idx="0">
+            <a:schemeClr val="accent1"/>
+          </a:effectRef>
+          <a:fontRef idx="minor">
+            <a:schemeClr val="lt1"/>
+          </a:fontRef>
+        </p:style>
+        <p:txBody>
+          <a:bodyPr rtlCol="0" anchor="ctr"/>
+          <a:lstStyle/>
+          <a:p>
+            <a:pPr algn="ctr"/>
+            <a:r>
+              <a:rPr lang="en-US" altLang="ko-KR" dirty="0" smtClean="0"/>
+              <a:t>Access Driver</a:t>
+            </a:r>
+            <a:endParaRPr lang="ko-KR" altLang="en-US" dirty="0"/>
+          </a:p>
+        </p:txBody>
+      </p:sp>
+      <p:sp>
+        <p:nvSpPr>
+          <p:cNvPr id="44" name="직사각형 43"/>
+          <p:cNvSpPr/>
+          <p:nvPr/>
+        </p:nvSpPr>
+        <p:spPr>
+          <a:xfrm>
+            <a:off x="1193800" y="5117498"/>
+            <a:ext cx="2569029" cy="486270"/>
+          </a:xfrm>
+          <a:prstGeom prst="rect">
+            <a:avLst/>
+          </a:prstGeom>
+          <a:solidFill>
+            <a:srgbClr val="7F7923"/>
+          </a:solidFill>
+          <a:ln>
+            <a:noFill/>
+          </a:ln>
+        </p:spPr>
+        <p:style>
+          <a:lnRef idx="2">
+            <a:schemeClr val="accent1">
+              <a:shade val="50000"/>
+            </a:schemeClr>
+          </a:lnRef>
+          <a:fillRef idx="1">
+            <a:schemeClr val="accent1"/>
+          </a:fillRef>
+          <a:effectRef idx="0">
+            <a:schemeClr val="accent1"/>
+          </a:effectRef>
+          <a:fontRef idx="minor">
+            <a:schemeClr val="lt1"/>
+          </a:fontRef>
+        </p:style>
+        <p:txBody>
+          <a:bodyPr rtlCol="0" anchor="ctr"/>
+          <a:lstStyle/>
+          <a:p>
+            <a:pPr algn="ctr"/>
+            <a:r>
+              <a:rPr lang="en-US" altLang="ko-KR" dirty="0" err="1" smtClean="0"/>
+              <a:t>Mysql</a:t>
+            </a:r>
+            <a:r>
+              <a:rPr lang="en-US" altLang="ko-KR" dirty="0" smtClean="0"/>
+              <a:t> Driver</a:t>
+            </a:r>
+            <a:endParaRPr lang="ko-KR" altLang="en-US" dirty="0"/>
+          </a:p>
+        </p:txBody>
+      </p:sp>
+      <p:sp>
+        <p:nvSpPr>
+          <p:cNvPr id="45" name="직사각형 44"/>
+          <p:cNvSpPr/>
+          <p:nvPr/>
+        </p:nvSpPr>
+        <p:spPr>
+          <a:xfrm>
+            <a:off x="4215270" y="3159228"/>
+            <a:ext cx="2569029" cy="899760"/>
+          </a:xfrm>
+          <a:prstGeom prst="rect">
+            <a:avLst/>
+          </a:prstGeom>
+          <a:solidFill>
+            <a:srgbClr val="7F7923"/>
+          </a:solidFill>
+          <a:ln>
+            <a:noFill/>
+          </a:ln>
+        </p:spPr>
+        <p:style>
+          <a:lnRef idx="2">
+            <a:schemeClr val="accent1">
+              <a:shade val="50000"/>
+            </a:schemeClr>
+          </a:lnRef>
+          <a:fillRef idx="1">
+            <a:schemeClr val="accent1"/>
+          </a:fillRef>
+          <a:effectRef idx="0">
+            <a:schemeClr val="accent1"/>
+          </a:effectRef>
+          <a:fontRef idx="minor">
+            <a:schemeClr val="lt1"/>
+          </a:fontRef>
+        </p:style>
+        <p:txBody>
+          <a:bodyPr rtlCol="0" anchor="ctr"/>
+          <a:lstStyle/>
+          <a:p>
+            <a:pPr algn="ctr"/>
+            <a:r>
+              <a:rPr lang="en-US" altLang="ko-KR" dirty="0"/>
+              <a:t>File Copier</a:t>
+            </a:r>
+            <a:endParaRPr lang="ko-KR" altLang="en-US" dirty="0"/>
+          </a:p>
+        </p:txBody>
+      </p:sp>
+      <p:sp>
+        <p:nvSpPr>
+          <p:cNvPr id="46" name="직사각형 45"/>
+          <p:cNvSpPr/>
+          <p:nvPr/>
+        </p:nvSpPr>
+        <p:spPr>
+          <a:xfrm>
+            <a:off x="4215270" y="4346206"/>
+            <a:ext cx="2569029" cy="899760"/>
+          </a:xfrm>
+          <a:prstGeom prst="rect">
+            <a:avLst/>
+          </a:prstGeom>
+          <a:solidFill>
+            <a:srgbClr val="7F7923"/>
+          </a:solidFill>
+          <a:ln>
+            <a:noFill/>
+          </a:ln>
+        </p:spPr>
+        <p:style>
+          <a:lnRef idx="2">
+            <a:schemeClr val="accent1">
+              <a:shade val="50000"/>
+            </a:schemeClr>
+          </a:lnRef>
+          <a:fillRef idx="1">
+            <a:schemeClr val="accent1"/>
+          </a:fillRef>
+          <a:effectRef idx="0">
+            <a:schemeClr val="accent1"/>
+          </a:effectRef>
+          <a:fontRef idx="minor">
+            <a:schemeClr val="lt1"/>
+          </a:fontRef>
+        </p:style>
+        <p:txBody>
+          <a:bodyPr rtlCol="0" anchor="ctr"/>
+          <a:lstStyle/>
+          <a:p>
+            <a:pPr algn="ctr"/>
+            <a:r>
+              <a:rPr lang="en-US" altLang="ko-KR" dirty="0" smtClean="0"/>
+              <a:t>Duplication Detector</a:t>
+            </a:r>
+            <a:endParaRPr lang="ko-KR" altLang="en-US" dirty="0"/>
+          </a:p>
+        </p:txBody>
+      </p:sp>
+      <p:sp>
+        <p:nvSpPr>
+          <p:cNvPr id="47" name="직사각형 46"/>
+          <p:cNvSpPr/>
+          <p:nvPr/>
+        </p:nvSpPr>
+        <p:spPr>
+          <a:xfrm>
+            <a:off x="7278915" y="3112594"/>
+            <a:ext cx="2569029" cy="1673908"/>
+          </a:xfrm>
+          <a:prstGeom prst="rect">
+            <a:avLst/>
+          </a:prstGeom>
+          <a:solidFill>
+            <a:srgbClr val="7F7923"/>
+          </a:solidFill>
+          <a:ln>
+            <a:noFill/>
+          </a:ln>
+        </p:spPr>
+        <p:style>
+          <a:lnRef idx="2">
+            <a:schemeClr val="accent1">
+              <a:shade val="50000"/>
+            </a:schemeClr>
+          </a:lnRef>
+          <a:fillRef idx="1">
+            <a:schemeClr val="accent1"/>
+          </a:fillRef>
+          <a:effectRef idx="0">
+            <a:schemeClr val="accent1"/>
+          </a:effectRef>
+          <a:fontRef idx="minor">
+            <a:schemeClr val="lt1"/>
+          </a:fontRef>
+        </p:style>
+        <p:txBody>
+          <a:bodyPr rtlCol="0" anchor="ctr"/>
+          <a:lstStyle/>
+          <a:p>
+            <a:pPr algn="ctr"/>
+            <a:r>
+              <a:rPr lang="en-US" altLang="ko-KR" dirty="0" smtClean="0"/>
+              <a:t>Timer</a:t>
+            </a:r>
+            <a:endParaRPr lang="ko-KR" altLang="en-US" dirty="0"/>
+          </a:p>
+        </p:txBody>
+      </p:sp>
+      <p:sp>
+        <p:nvSpPr>
+          <p:cNvPr id="48" name="직사각형 47"/>
+          <p:cNvSpPr/>
+          <p:nvPr/>
+        </p:nvSpPr>
+        <p:spPr>
+          <a:xfrm>
+            <a:off x="7297056" y="4959961"/>
+            <a:ext cx="2569029" cy="685251"/>
+          </a:xfrm>
+          <a:prstGeom prst="rect">
+            <a:avLst/>
+          </a:prstGeom>
+          <a:solidFill>
+            <a:srgbClr val="7F7923"/>
+          </a:solidFill>
+          <a:ln>
+            <a:noFill/>
+          </a:ln>
+        </p:spPr>
+        <p:style>
+          <a:lnRef idx="2">
+            <a:schemeClr val="accent1">
+              <a:shade val="50000"/>
+            </a:schemeClr>
+          </a:lnRef>
+          <a:fillRef idx="1">
+            <a:schemeClr val="accent1"/>
+          </a:fillRef>
+          <a:effectRef idx="0">
+            <a:schemeClr val="accent1"/>
+          </a:effectRef>
+          <a:fontRef idx="minor">
+            <a:schemeClr val="lt1"/>
+          </a:fontRef>
+        </p:style>
+        <p:txBody>
+          <a:bodyPr rtlCol="0" anchor="ctr"/>
+          <a:lstStyle/>
+          <a:p>
+            <a:pPr algn="ctr"/>
+            <a:r>
+              <a:rPr lang="en-US" altLang="ko-KR" dirty="0" err="1" smtClean="0"/>
+              <a:t>RunApp</a:t>
+            </a:r>
+            <a:r>
+              <a:rPr lang="en-US" altLang="ko-KR" dirty="0" smtClean="0"/>
+              <a:t> Manager</a:t>
+            </a:r>
+            <a:endParaRPr lang="ko-KR" altLang="en-US" dirty="0"/>
+          </a:p>
+        </p:txBody>
+      </p:sp>
+    </p:spTree>
+    <p:extLst>
+      <p:ext uri="{BB962C8B-B14F-4D97-AF65-F5344CB8AC3E}">
+        <p14:creationId xmlns:p14="http://schemas.microsoft.com/office/powerpoint/2010/main" val="3998841705"/>
       </p:ext>
     </p:extLst>
   </p:cSld>

--- a/문서/프레젠테이션1.pptx
+++ b/문서/프레젠테이션1.pptx
@@ -8,8 +8,9 @@
     <p:sldId id="256" r:id="rId2"/>
     <p:sldId id="257" r:id="rId3"/>
     <p:sldId id="260" r:id="rId4"/>
-    <p:sldId id="258" r:id="rId5"/>
-    <p:sldId id="259" r:id="rId6"/>
+    <p:sldId id="261" r:id="rId5"/>
+    <p:sldId id="258" r:id="rId6"/>
+    <p:sldId id="259" r:id="rId7"/>
   </p:sldIdLst>
   <p:sldSz cx="12192000" cy="6858000"/>
   <p:notesSz cx="6858000" cy="9144000"/>
@@ -4087,6 +4088,228 @@
           <a:chExt cx="0" cy="0"/>
         </a:xfrm>
       </p:grpSpPr>
+      <p:graphicFrame>
+        <p:nvGraphicFramePr>
+          <p:cNvPr id="4" name="표 3"/>
+          <p:cNvGraphicFramePr>
+            <a:graphicFrameLocks noGrp="1"/>
+          </p:cNvGraphicFramePr>
+          <p:nvPr>
+            <p:extLst>
+              <p:ext uri="{D42A27DB-BD31-4B8C-83A1-F6EECF244321}">
+                <p14:modId xmlns:p14="http://schemas.microsoft.com/office/powerpoint/2010/main" val="901959967"/>
+              </p:ext>
+            </p:extLst>
+          </p:nvPr>
+        </p:nvGraphicFramePr>
+        <p:xfrm>
+          <a:off x="2032000" y="719666"/>
+          <a:ext cx="2977882" cy="1854200"/>
+        </p:xfrm>
+        <a:graphic>
+          <a:graphicData uri="http://schemas.openxmlformats.org/drawingml/2006/table">
+            <a:tbl>
+              <a:tblPr firstRow="1" bandRow="1">
+                <a:tableStyleId>{3B4B98B0-60AC-42C2-AFA5-B58CD77FA1E5}</a:tableStyleId>
+              </a:tblPr>
+              <a:tblGrid>
+                <a:gridCol w="1136203"/>
+                <a:gridCol w="1841679"/>
+              </a:tblGrid>
+              <a:tr h="370840">
+                <a:tc>
+                  <a:txBody>
+                    <a:bodyPr/>
+                    <a:lstStyle/>
+                    <a:p>
+                      <a:pPr latinLnBrk="1"/>
+                      <a:r>
+                        <a:rPr lang="en-US" altLang="ko-KR" dirty="0" smtClean="0"/>
+                        <a:t>Status</a:t>
+                      </a:r>
+                      <a:endParaRPr lang="ko-KR" altLang="en-US" dirty="0"/>
+                    </a:p>
+                  </a:txBody>
+                  <a:tcPr/>
+                </a:tc>
+                <a:tc>
+                  <a:txBody>
+                    <a:bodyPr/>
+                    <a:lstStyle/>
+                    <a:p>
+                      <a:pPr latinLnBrk="1"/>
+                      <a:r>
+                        <a:rPr lang="ko-KR" altLang="en-US" dirty="0" smtClean="0"/>
+                        <a:t>내용</a:t>
+                      </a:r>
+                      <a:endParaRPr lang="ko-KR" altLang="en-US" dirty="0"/>
+                    </a:p>
+                  </a:txBody>
+                  <a:tcPr/>
+                </a:tc>
+              </a:tr>
+              <a:tr h="370840">
+                <a:tc>
+                  <a:txBody>
+                    <a:bodyPr/>
+                    <a:lstStyle/>
+                    <a:p>
+                      <a:pPr latinLnBrk="1"/>
+                      <a:r>
+                        <a:rPr lang="en-US" altLang="ko-KR" dirty="0" smtClean="0"/>
+                        <a:t>0</a:t>
+                      </a:r>
+                      <a:endParaRPr lang="ko-KR" altLang="en-US" dirty="0"/>
+                    </a:p>
+                  </a:txBody>
+                  <a:tcPr/>
+                </a:tc>
+                <a:tc>
+                  <a:txBody>
+                    <a:bodyPr/>
+                    <a:lstStyle/>
+                    <a:p>
+                      <a:pPr latinLnBrk="1"/>
+                      <a:r>
+                        <a:rPr lang="ko-KR" altLang="en-US" dirty="0" smtClean="0"/>
+                        <a:t>미 승인</a:t>
+                      </a:r>
+                      <a:endParaRPr lang="ko-KR" altLang="en-US" dirty="0"/>
+                    </a:p>
+                  </a:txBody>
+                  <a:tcPr/>
+                </a:tc>
+              </a:tr>
+              <a:tr h="370840">
+                <a:tc>
+                  <a:txBody>
+                    <a:bodyPr/>
+                    <a:lstStyle/>
+                    <a:p>
+                      <a:pPr latinLnBrk="1"/>
+                      <a:r>
+                        <a:rPr lang="en-US" altLang="ko-KR" dirty="0" smtClean="0"/>
+                        <a:t>1</a:t>
+                      </a:r>
+                      <a:endParaRPr lang="ko-KR" altLang="en-US" dirty="0"/>
+                    </a:p>
+                  </a:txBody>
+                  <a:tcPr/>
+                </a:tc>
+                <a:tc>
+                  <a:txBody>
+                    <a:bodyPr/>
+                    <a:lstStyle/>
+                    <a:p>
+                      <a:pPr latinLnBrk="1"/>
+                      <a:r>
+                        <a:rPr lang="ko-KR" altLang="en-US" dirty="0" smtClean="0"/>
+                        <a:t>진행중</a:t>
+                      </a:r>
+                      <a:endParaRPr lang="ko-KR" altLang="en-US" dirty="0"/>
+                    </a:p>
+                  </a:txBody>
+                  <a:tcPr/>
+                </a:tc>
+              </a:tr>
+              <a:tr h="370840">
+                <a:tc>
+                  <a:txBody>
+                    <a:bodyPr/>
+                    <a:lstStyle/>
+                    <a:p>
+                      <a:pPr latinLnBrk="1"/>
+                      <a:r>
+                        <a:rPr lang="en-US" altLang="ko-KR" dirty="0" smtClean="0"/>
+                        <a:t>2</a:t>
+                      </a:r>
+                      <a:endParaRPr lang="ko-KR" altLang="en-US" dirty="0"/>
+                    </a:p>
+                  </a:txBody>
+                  <a:tcPr/>
+                </a:tc>
+                <a:tc>
+                  <a:txBody>
+                    <a:bodyPr/>
+                    <a:lstStyle/>
+                    <a:p>
+                      <a:pPr latinLnBrk="1"/>
+                      <a:r>
+                        <a:rPr lang="ko-KR" altLang="en-US" dirty="0" smtClean="0"/>
+                        <a:t>완료</a:t>
+                      </a:r>
+                      <a:endParaRPr lang="ko-KR" altLang="en-US" dirty="0"/>
+                    </a:p>
+                  </a:txBody>
+                  <a:tcPr/>
+                </a:tc>
+              </a:tr>
+              <a:tr h="370840">
+                <a:tc>
+                  <a:txBody>
+                    <a:bodyPr/>
+                    <a:lstStyle/>
+                    <a:p>
+                      <a:pPr latinLnBrk="1"/>
+                      <a:r>
+                        <a:rPr lang="en-US" altLang="ko-KR" dirty="0" smtClean="0"/>
+                        <a:t>-1</a:t>
+                      </a:r>
+                      <a:endParaRPr lang="ko-KR" altLang="en-US" dirty="0"/>
+                    </a:p>
+                  </a:txBody>
+                  <a:tcPr/>
+                </a:tc>
+                <a:tc>
+                  <a:txBody>
+                    <a:bodyPr/>
+                    <a:lstStyle/>
+                    <a:p>
+                      <a:pPr latinLnBrk="1"/>
+                      <a:r>
+                        <a:rPr lang="ko-KR" altLang="en-US" dirty="0" smtClean="0"/>
+                        <a:t>드랍</a:t>
+                      </a:r>
+                      <a:endParaRPr lang="ko-KR" altLang="en-US" dirty="0"/>
+                    </a:p>
+                  </a:txBody>
+                  <a:tcPr/>
+                </a:tc>
+              </a:tr>
+            </a:tbl>
+          </a:graphicData>
+        </a:graphic>
+      </p:graphicFrame>
+    </p:spTree>
+    <p:extLst>
+      <p:ext uri="{BB962C8B-B14F-4D97-AF65-F5344CB8AC3E}">
+        <p14:creationId xmlns:p14="http://schemas.microsoft.com/office/powerpoint/2010/main" val="784390744"/>
+      </p:ext>
+    </p:extLst>
+  </p:cSld>
+  <p:clrMapOvr>
+    <a:masterClrMapping/>
+  </p:clrMapOvr>
+</p:sld>
+</file>
+
+<file path=ppt/slides/slide5.xml><?xml version="1.0" encoding="utf-8"?>
+<p:sld xmlns:a="http://schemas.openxmlformats.org/drawingml/2006/main" xmlns:r="http://schemas.openxmlformats.org/officeDocument/2006/relationships" xmlns:p="http://schemas.openxmlformats.org/presentationml/2006/main">
+  <p:cSld>
+    <p:spTree>
+      <p:nvGrpSpPr>
+        <p:cNvPr id="1" name=""/>
+        <p:cNvGrpSpPr/>
+        <p:nvPr/>
+      </p:nvGrpSpPr>
+      <p:grpSpPr>
+        <a:xfrm>
+          <a:off x="0" y="0"/>
+          <a:ext cx="0" cy="0"/>
+          <a:chOff x="0" y="0"/>
+          <a:chExt cx="0" cy="0"/>
+        </a:xfrm>
+      </p:grpSpPr>
       <p:pic>
         <p:nvPicPr>
           <p:cNvPr id="4" name="그림 3"/>
@@ -4687,11 +4910,7 @@
             <a:pPr algn="ctr"/>
             <a:r>
               <a:rPr lang="en-US" altLang="ko-KR" dirty="0" smtClean="0"/>
-              <a:t>DB </a:t>
-            </a:r>
-            <a:r>
-              <a:rPr lang="en-US" altLang="ko-KR" dirty="0" smtClean="0"/>
-              <a:t>Connector</a:t>
+              <a:t>DB Connector</a:t>
             </a:r>
             <a:endParaRPr lang="ko-KR" altLang="en-US" dirty="0"/>
           </a:p>
@@ -5397,7 +5616,7 @@
 </p:sld>
 </file>
 
-<file path=ppt/slides/slide5.xml><?xml version="1.0" encoding="utf-8"?>
+<file path=ppt/slides/slide6.xml><?xml version="1.0" encoding="utf-8"?>
 <p:sld xmlns:a="http://schemas.openxmlformats.org/drawingml/2006/main" xmlns:r="http://schemas.openxmlformats.org/officeDocument/2006/relationships" xmlns:p="http://schemas.openxmlformats.org/presentationml/2006/main">
   <p:cSld>
     <p:spTree>

--- a/문서/프레젠테이션1.pptx
+++ b/문서/프레젠테이션1.pptx
@@ -248,7 +248,7 @@
           <a:p>
             <a:fld id="{4203A113-A71E-4BD3-850A-BB19F685E24D}" type="datetimeFigureOut">
               <a:rPr lang="ko-KR" altLang="en-US" smtClean="0"/>
-              <a:t>2016-02-26</a:t>
+              <a:t>2016-02-27</a:t>
             </a:fld>
             <a:endParaRPr lang="ko-KR" altLang="en-US"/>
           </a:p>
@@ -418,7 +418,7 @@
           <a:p>
             <a:fld id="{4203A113-A71E-4BD3-850A-BB19F685E24D}" type="datetimeFigureOut">
               <a:rPr lang="ko-KR" altLang="en-US" smtClean="0"/>
-              <a:t>2016-02-26</a:t>
+              <a:t>2016-02-27</a:t>
             </a:fld>
             <a:endParaRPr lang="ko-KR" altLang="en-US"/>
           </a:p>
@@ -598,7 +598,7 @@
           <a:p>
             <a:fld id="{4203A113-A71E-4BD3-850A-BB19F685E24D}" type="datetimeFigureOut">
               <a:rPr lang="ko-KR" altLang="en-US" smtClean="0"/>
-              <a:t>2016-02-26</a:t>
+              <a:t>2016-02-27</a:t>
             </a:fld>
             <a:endParaRPr lang="ko-KR" altLang="en-US"/>
           </a:p>
@@ -768,7 +768,7 @@
           <a:p>
             <a:fld id="{4203A113-A71E-4BD3-850A-BB19F685E24D}" type="datetimeFigureOut">
               <a:rPr lang="ko-KR" altLang="en-US" smtClean="0"/>
-              <a:t>2016-02-26</a:t>
+              <a:t>2016-02-27</a:t>
             </a:fld>
             <a:endParaRPr lang="ko-KR" altLang="en-US"/>
           </a:p>
@@ -1014,7 +1014,7 @@
           <a:p>
             <a:fld id="{4203A113-A71E-4BD3-850A-BB19F685E24D}" type="datetimeFigureOut">
               <a:rPr lang="ko-KR" altLang="en-US" smtClean="0"/>
-              <a:t>2016-02-26</a:t>
+              <a:t>2016-02-27</a:t>
             </a:fld>
             <a:endParaRPr lang="ko-KR" altLang="en-US"/>
           </a:p>
@@ -1246,7 +1246,7 @@
           <a:p>
             <a:fld id="{4203A113-A71E-4BD3-850A-BB19F685E24D}" type="datetimeFigureOut">
               <a:rPr lang="ko-KR" altLang="en-US" smtClean="0"/>
-              <a:t>2016-02-26</a:t>
+              <a:t>2016-02-27</a:t>
             </a:fld>
             <a:endParaRPr lang="ko-KR" altLang="en-US"/>
           </a:p>
@@ -1613,7 +1613,7 @@
           <a:p>
             <a:fld id="{4203A113-A71E-4BD3-850A-BB19F685E24D}" type="datetimeFigureOut">
               <a:rPr lang="ko-KR" altLang="en-US" smtClean="0"/>
-              <a:t>2016-02-26</a:t>
+              <a:t>2016-02-27</a:t>
             </a:fld>
             <a:endParaRPr lang="ko-KR" altLang="en-US"/>
           </a:p>
@@ -1731,7 +1731,7 @@
           <a:p>
             <a:fld id="{4203A113-A71E-4BD3-850A-BB19F685E24D}" type="datetimeFigureOut">
               <a:rPr lang="ko-KR" altLang="en-US" smtClean="0"/>
-              <a:t>2016-02-26</a:t>
+              <a:t>2016-02-27</a:t>
             </a:fld>
             <a:endParaRPr lang="ko-KR" altLang="en-US"/>
           </a:p>
@@ -1826,7 +1826,7 @@
           <a:p>
             <a:fld id="{4203A113-A71E-4BD3-850A-BB19F685E24D}" type="datetimeFigureOut">
               <a:rPr lang="ko-KR" altLang="en-US" smtClean="0"/>
-              <a:t>2016-02-26</a:t>
+              <a:t>2016-02-27</a:t>
             </a:fld>
             <a:endParaRPr lang="ko-KR" altLang="en-US"/>
           </a:p>
@@ -2103,7 +2103,7 @@
           <a:p>
             <a:fld id="{4203A113-A71E-4BD3-850A-BB19F685E24D}" type="datetimeFigureOut">
               <a:rPr lang="ko-KR" altLang="en-US" smtClean="0"/>
-              <a:t>2016-02-26</a:t>
+              <a:t>2016-02-27</a:t>
             </a:fld>
             <a:endParaRPr lang="ko-KR" altLang="en-US"/>
           </a:p>
@@ -2356,7 +2356,7 @@
           <a:p>
             <a:fld id="{4203A113-A71E-4BD3-850A-BB19F685E24D}" type="datetimeFigureOut">
               <a:rPr lang="ko-KR" altLang="en-US" smtClean="0"/>
-              <a:t>2016-02-26</a:t>
+              <a:t>2016-02-27</a:t>
             </a:fld>
             <a:endParaRPr lang="ko-KR" altLang="en-US"/>
           </a:p>
@@ -2569,7 +2569,7 @@
           <a:p>
             <a:fld id="{4203A113-A71E-4BD3-850A-BB19F685E24D}" type="datetimeFigureOut">
               <a:rPr lang="ko-KR" altLang="en-US" smtClean="0"/>
-              <a:t>2016-02-26</a:t>
+              <a:t>2016-02-27</a:t>
             </a:fld>
             <a:endParaRPr lang="ko-KR" altLang="en-US"/>
           </a:p>
@@ -3389,14 +3389,14 @@
           <p:nvPr>
             <p:extLst>
               <p:ext uri="{D42A27DB-BD31-4B8C-83A1-F6EECF244321}">
-                <p14:modId xmlns:p14="http://schemas.microsoft.com/office/powerpoint/2010/main" val="969527361"/>
+                <p14:modId xmlns:p14="http://schemas.microsoft.com/office/powerpoint/2010/main" val="1412149044"/>
               </p:ext>
             </p:extLst>
           </p:nvPr>
         </p:nvGraphicFramePr>
         <p:xfrm>
           <a:off x="2032000" y="719666"/>
-          <a:ext cx="8128000" cy="1854200"/>
+          <a:ext cx="8128000" cy="1112520"/>
         </p:xfrm>
         <a:graphic>
           <a:graphicData uri="http://schemas.openxmlformats.org/drawingml/2006/table">
@@ -3464,7 +3464,11 @@
                       <a:pPr latinLnBrk="1"/>
                       <a:r>
                         <a:rPr lang="ko-KR" altLang="en-US" dirty="0" smtClean="0"/>
-                        <a:t>미확인</a:t>
+                        <a:t>미</a:t>
+                      </a:r>
+                      <a:r>
+                        <a:rPr lang="ko-KR" altLang="en-US" baseline="0" dirty="0" smtClean="0"/>
+                        <a:t> 승인</a:t>
                       </a:r>
                       <a:endParaRPr lang="ko-KR" altLang="en-US" dirty="0"/>
                     </a:p>
@@ -3496,71 +3500,7 @@
                       <a:pPr latinLnBrk="1"/>
                       <a:r>
                         <a:rPr lang="ko-KR" altLang="en-US" dirty="0" smtClean="0"/>
-                        <a:t>반영됨</a:t>
-                      </a:r>
-                      <a:endParaRPr lang="ko-KR" altLang="en-US" dirty="0"/>
-                    </a:p>
-                  </a:txBody>
-                  <a:tcPr/>
-                </a:tc>
-              </a:tr>
-              <a:tr h="370840">
-                <a:tc>
-                  <a:txBody>
-                    <a:bodyPr/>
-                    <a:lstStyle/>
-                    <a:p>
-                      <a:pPr latinLnBrk="1"/>
-                      <a:r>
-                        <a:rPr lang="en-US" altLang="ko-KR" dirty="0" smtClean="0"/>
-                        <a:t>2</a:t>
-                      </a:r>
-                      <a:endParaRPr lang="ko-KR" altLang="en-US" dirty="0"/>
-                    </a:p>
-                  </a:txBody>
-                  <a:tcPr/>
-                </a:tc>
-                <a:tc>
-                  <a:txBody>
-                    <a:bodyPr/>
-                    <a:lstStyle/>
-                    <a:p>
-                      <a:pPr latinLnBrk="1"/>
-                      <a:r>
-                        <a:rPr lang="ko-KR" altLang="en-US" dirty="0" smtClean="0"/>
-                        <a:t>거부</a:t>
-                      </a:r>
-                      <a:endParaRPr lang="ko-KR" altLang="en-US" dirty="0"/>
-                    </a:p>
-                  </a:txBody>
-                  <a:tcPr/>
-                </a:tc>
-              </a:tr>
-              <a:tr h="370840">
-                <a:tc>
-                  <a:txBody>
-                    <a:bodyPr/>
-                    <a:lstStyle/>
-                    <a:p>
-                      <a:pPr latinLnBrk="1"/>
-                      <a:r>
-                        <a:rPr lang="en-US" altLang="ko-KR" dirty="0" smtClean="0"/>
-                        <a:t>3</a:t>
-                      </a:r>
-                      <a:endParaRPr lang="ko-KR" altLang="en-US" dirty="0"/>
-                    </a:p>
-                  </a:txBody>
-                  <a:tcPr/>
-                </a:tc>
-                <a:tc>
-                  <a:txBody>
-                    <a:bodyPr/>
-                    <a:lstStyle/>
-                    <a:p>
-                      <a:pPr latinLnBrk="1"/>
-                      <a:r>
-                        <a:rPr lang="ko-KR" altLang="en-US" dirty="0" smtClean="0"/>
-                        <a:t>대기</a:t>
+                        <a:t>승인</a:t>
                       </a:r>
                       <a:endParaRPr lang="ko-KR" altLang="en-US" dirty="0"/>
                     </a:p>
